--- a/Admin/User guides/Teacher_info.pptx
+++ b/Admin/User guides/Teacher_info.pptx
@@ -308,7 +308,7 @@
             <a:fld id="{095903B0-56D7-49D8-B941-288D95AD0F5F}" type="datetimeFigureOut">
               <a:rPr lang="en-US" smtClean="0"/>
               <a:pPr/>
-              <a:t>7/9/2016</a:t>
+              <a:t>7/17/2016</a:t>
             </a:fld>
             <a:endParaRPr lang="en-GB"/>
           </a:p>
@@ -475,7 +475,7 @@
             <a:fld id="{095903B0-56D7-49D8-B941-288D95AD0F5F}" type="datetimeFigureOut">
               <a:rPr lang="en-US" smtClean="0"/>
               <a:pPr/>
-              <a:t>7/9/2016</a:t>
+              <a:t>7/17/2016</a:t>
             </a:fld>
             <a:endParaRPr lang="en-GB"/>
           </a:p>
@@ -652,7 +652,7 @@
             <a:fld id="{095903B0-56D7-49D8-B941-288D95AD0F5F}" type="datetimeFigureOut">
               <a:rPr lang="en-US" smtClean="0"/>
               <a:pPr/>
-              <a:t>7/9/2016</a:t>
+              <a:t>7/17/2016</a:t>
             </a:fld>
             <a:endParaRPr lang="en-GB"/>
           </a:p>
@@ -819,7 +819,7 @@
             <a:fld id="{095903B0-56D7-49D8-B941-288D95AD0F5F}" type="datetimeFigureOut">
               <a:rPr lang="en-US" smtClean="0"/>
               <a:pPr/>
-              <a:t>7/9/2016</a:t>
+              <a:t>7/17/2016</a:t>
             </a:fld>
             <a:endParaRPr lang="en-GB"/>
           </a:p>
@@ -1062,7 +1062,7 @@
             <a:fld id="{095903B0-56D7-49D8-B941-288D95AD0F5F}" type="datetimeFigureOut">
               <a:rPr lang="en-US" smtClean="0"/>
               <a:pPr/>
-              <a:t>7/9/2016</a:t>
+              <a:t>7/17/2016</a:t>
             </a:fld>
             <a:endParaRPr lang="en-GB"/>
           </a:p>
@@ -1347,7 +1347,7 @@
             <a:fld id="{095903B0-56D7-49D8-B941-288D95AD0F5F}" type="datetimeFigureOut">
               <a:rPr lang="en-US" smtClean="0"/>
               <a:pPr/>
-              <a:t>7/9/2016</a:t>
+              <a:t>7/17/2016</a:t>
             </a:fld>
             <a:endParaRPr lang="en-GB"/>
           </a:p>
@@ -1766,7 +1766,7 @@
             <a:fld id="{095903B0-56D7-49D8-B941-288D95AD0F5F}" type="datetimeFigureOut">
               <a:rPr lang="en-US" smtClean="0"/>
               <a:pPr/>
-              <a:t>7/9/2016</a:t>
+              <a:t>7/17/2016</a:t>
             </a:fld>
             <a:endParaRPr lang="en-GB"/>
           </a:p>
@@ -1881,7 +1881,7 @@
             <a:fld id="{095903B0-56D7-49D8-B941-288D95AD0F5F}" type="datetimeFigureOut">
               <a:rPr lang="en-US" smtClean="0"/>
               <a:pPr/>
-              <a:t>7/9/2016</a:t>
+              <a:t>7/17/2016</a:t>
             </a:fld>
             <a:endParaRPr lang="en-GB"/>
           </a:p>
@@ -1973,7 +1973,7 @@
             <a:fld id="{095903B0-56D7-49D8-B941-288D95AD0F5F}" type="datetimeFigureOut">
               <a:rPr lang="en-US" smtClean="0"/>
               <a:pPr/>
-              <a:t>7/9/2016</a:t>
+              <a:t>7/17/2016</a:t>
             </a:fld>
             <a:endParaRPr lang="en-GB"/>
           </a:p>
@@ -2247,7 +2247,7 @@
             <a:fld id="{095903B0-56D7-49D8-B941-288D95AD0F5F}" type="datetimeFigureOut">
               <a:rPr lang="en-US" smtClean="0"/>
               <a:pPr/>
-              <a:t>7/9/2016</a:t>
+              <a:t>7/17/2016</a:t>
             </a:fld>
             <a:endParaRPr lang="en-GB"/>
           </a:p>
@@ -2497,7 +2497,7 @@
             <a:fld id="{095903B0-56D7-49D8-B941-288D95AD0F5F}" type="datetimeFigureOut">
               <a:rPr lang="en-US" smtClean="0"/>
               <a:pPr/>
-              <a:t>7/9/2016</a:t>
+              <a:t>7/17/2016</a:t>
             </a:fld>
             <a:endParaRPr lang="en-GB"/>
           </a:p>
@@ -2707,7 +2707,7 @@
             <a:fld id="{095903B0-56D7-49D8-B941-288D95AD0F5F}" type="datetimeFigureOut">
               <a:rPr lang="en-US" smtClean="0"/>
               <a:pPr/>
-              <a:t>7/9/2016</a:t>
+              <a:t>7/17/2016</a:t>
             </a:fld>
             <a:endParaRPr lang="en-GB"/>
           </a:p>
@@ -4837,9 +4837,18 @@
         </p:spPr>
         <p:txBody>
           <a:bodyPr>
-            <a:normAutofit fontScale="70000" lnSpcReduction="20000"/>
+            <a:normAutofit fontScale="62500" lnSpcReduction="20000"/>
           </a:bodyPr>
           <a:lstStyle/>
+          <a:p>
+            <a:pPr>
+              <a:buNone/>
+            </a:pPr>
+            <a:r>
+              <a:rPr lang="en-GB" dirty="0" smtClean="0"/>
+              <a:t>(Make sure Macros are enabled! See last chapter)</a:t>
+            </a:r>
+          </a:p>
           <a:p>
             <a:r>
               <a:rPr lang="en-GB" dirty="0" smtClean="0"/>
@@ -4862,7 +4871,11 @@
             </a:pPr>
             <a:r>
               <a:rPr lang="en-GB" dirty="0" smtClean="0"/>
-              <a:t>		\</a:t>
+              <a:t>		</a:t>
+            </a:r>
+            <a:r>
+              <a:rPr lang="en-GB" dirty="0" smtClean="0"/>
+              <a:t>\</a:t>
             </a:r>
             <a:r>
               <a:rPr lang="en-GB" dirty="0" err="1" smtClean="0"/>
@@ -4872,6 +4885,7 @@
               <a:rPr lang="en-GB" dirty="0" smtClean="0"/>
               <a:t>\Classes</a:t>
             </a:r>
+            <a:endParaRPr lang="en-GB" dirty="0" smtClean="0"/>
           </a:p>
           <a:p>
             <a:r>
@@ -4986,7 +5000,7 @@
                   <a:srgbClr val="FF0000"/>
                 </a:solidFill>
               </a:rPr>
-              <a:t>by 9:30 </a:t>
+              <a:t>by 9:15 </a:t>
             </a:r>
             <a:r>
               <a:rPr lang="en-GB" dirty="0" smtClean="0"/>
@@ -5264,15 +5278,7 @@
             </a:pPr>
             <a:r>
               <a:rPr lang="en-GB" dirty="0" smtClean="0"/>
-              <a:t>	</a:t>
-            </a:r>
-            <a:r>
-              <a:rPr lang="en-GB" dirty="0" smtClean="0"/>
-              <a:t>- Check </a:t>
-            </a:r>
-            <a:r>
-              <a:rPr lang="en-GB" dirty="0" smtClean="0"/>
-              <a:t>macros are enabled</a:t>
+              <a:t>	- Check macros are enabled</a:t>
             </a:r>
           </a:p>
           <a:p>
@@ -5281,15 +5287,7 @@
             </a:pPr>
             <a:r>
               <a:rPr lang="en-GB" dirty="0" smtClean="0"/>
-              <a:t>	</a:t>
-            </a:r>
-            <a:r>
-              <a:rPr lang="en-GB" dirty="0" smtClean="0"/>
-              <a:t>- Check </a:t>
-            </a:r>
-            <a:r>
-              <a:rPr lang="en-GB" dirty="0" smtClean="0"/>
-              <a:t>all the pupil dropdowns are complete</a:t>
+              <a:t>	- Check all the pupil dropdowns are complete</a:t>
             </a:r>
           </a:p>
           <a:p>
@@ -5298,15 +5296,7 @@
             </a:pPr>
             <a:r>
               <a:rPr lang="en-GB" dirty="0" smtClean="0"/>
-              <a:t> 	</a:t>
-            </a:r>
-            <a:r>
-              <a:rPr lang="en-GB" dirty="0" smtClean="0"/>
-              <a:t>- Report </a:t>
-            </a:r>
-            <a:r>
-              <a:rPr lang="en-GB" dirty="0" smtClean="0"/>
-              <a:t>it immediately to the administrator</a:t>
+              <a:t> 	- Report it immediately to the administrator</a:t>
             </a:r>
           </a:p>
           <a:p>
@@ -5371,11 +5361,7 @@
             </a:pPr>
             <a:r>
               <a:rPr lang="en-GB" dirty="0" smtClean="0"/>
-              <a:t>	The administrator can find out the individual pupils </a:t>
-            </a:r>
-            <a:r>
-              <a:rPr lang="en-GB" dirty="0" smtClean="0"/>
-              <a:t>choices</a:t>
+              <a:t>	The administrator can find out the individual pupils choices</a:t>
             </a:r>
           </a:p>
           <a:p>
@@ -5408,11 +5394,7 @@
             </a:pPr>
             <a:r>
               <a:rPr lang="en-GB" dirty="0" smtClean="0"/>
-              <a:t>	</a:t>
-            </a:r>
-            <a:r>
-              <a:rPr lang="en-GB" dirty="0" smtClean="0"/>
-              <a:t>- Are two copies of the spreadsheet open?</a:t>
+              <a:t>	- Are two copies of the spreadsheet open?</a:t>
             </a:r>
           </a:p>
           <a:p>
@@ -5421,17 +5403,8 @@
             </a:pPr>
             <a:r>
               <a:rPr lang="en-GB" dirty="0" smtClean="0"/>
-              <a:t>	</a:t>
-            </a:r>
-            <a:r>
-              <a:rPr lang="en-GB" dirty="0" smtClean="0"/>
-              <a:t>- </a:t>
-            </a:r>
-            <a:r>
-              <a:rPr lang="en-GB" dirty="0" smtClean="0"/>
-              <a:t>Please note down the error message (including number) and send to the administrator.</a:t>
-            </a:r>
-            <a:endParaRPr lang="en-GB" dirty="0" smtClean="0"/>
+              <a:t>	- Please note down the error message (including number) and send to the administrator.</a:t>
+            </a:r>
           </a:p>
           <a:p>
             <a:pPr>
